--- a/Exploit_vs_Backdoor/Vortrag_Backdoors.pptx
+++ b/Exploit_vs_Backdoor/Vortrag_Backdoors.pptx
@@ -3282,6 +3282,28 @@
           </a:prstGeom>
         </p:spPr>
       </p:pic>
+      <p:pic>
+        <p:nvPicPr>
+          <p:cNvPr id="377753668" name="" hidden="0"/>
+          <p:cNvPicPr>
+            <a:picLocks noChangeAspect="1"/>
+          </p:cNvPicPr>
+          <p:nvPr isPhoto="0" userDrawn="0"/>
+        </p:nvPicPr>
+        <p:blipFill>
+          <a:blip r:embed="rId3"/>
+          <a:stretch/>
+        </p:blipFill>
+        <p:spPr bwMode="auto">
+          <a:xfrm>
+            <a:off x="409" y="1011564"/>
+            <a:ext cx="12191999" cy="4834867"/>
+          </a:xfrm>
+          <a:prstGeom prst="rect">
+            <a:avLst/>
+          </a:prstGeom>
+        </p:spPr>
+      </p:pic>
     </p:spTree>
   </p:cSld>
   <p:clrMapOvr>
